--- a/SystemVerilog parser Introduction.pptx
+++ b/SystemVerilog parser Introduction.pptx
@@ -5,7 +5,7 @@
     <p:sldMasterId id="2147483696" r:id="rId1"/>
   </p:sldMasterIdLst>
   <p:notesMasterIdLst>
-    <p:notesMasterId r:id="rId11"/>
+    <p:notesMasterId r:id="rId12"/>
   </p:notesMasterIdLst>
   <p:sldIdLst>
     <p:sldId id="256" r:id="rId2"/>
@@ -17,6 +17,7 @@
     <p:sldId id="289" r:id="rId8"/>
     <p:sldId id="290" r:id="rId9"/>
     <p:sldId id="291" r:id="rId10"/>
+    <p:sldId id="292" r:id="rId11"/>
   </p:sldIdLst>
   <p:sldSz cx="9144000" cy="6858000" type="screen4x3"/>
   <p:notesSz cx="6858000" cy="9144000"/>
@@ -216,7 +217,7 @@
           <a:p>
             <a:fld id="{88F6225B-796D-41D8-9C9A-35855C549521}" type="datetimeFigureOut">
               <a:rPr lang="zh-TW" altLang="en-US" smtClean="0"/>
-              <a:t>2024/4/27</a:t>
+              <a:t>2024/4/30</a:t>
             </a:fld>
             <a:endParaRPr lang="zh-TW" altLang="en-US"/>
           </a:p>
@@ -1141,32 +1142,7 @@
                 <a:spcPts val="1200"/>
               </a:spcBef>
             </a:pPr>
-            <a:r>
-              <a:rPr lang="en-US" altLang="zh-TW" sz="1200" dirty="0"/>
-              <a:t>VCS: 4.94s	Slang: 0.15s	(33x)</a:t>
-            </a:r>
-          </a:p>
-          <a:p>
-            <a:pPr>
-              <a:spcBef>
-                <a:spcPts val="1200"/>
-              </a:spcBef>
-            </a:pPr>
-            <a:r>
-              <a:rPr lang="en-US" altLang="zh-TW" sz="1200" dirty="0"/>
-              <a:t>VCS:60s	Slang: 1.7s	(35x)</a:t>
-            </a:r>
-          </a:p>
-          <a:p>
-            <a:pPr>
-              <a:spcBef>
-                <a:spcPts val="1200"/>
-              </a:spcBef>
-            </a:pPr>
-            <a:r>
-              <a:rPr lang="en-US" altLang="zh-TW" sz="1200" dirty="0"/>
-              <a:t>VCS can report compile warning [SIOB] select index out of bounds</a:t>
-            </a:r>
+            <a:endParaRPr lang="en-US" altLang="zh-TW" sz="1200" dirty="0"/>
           </a:p>
         </p:txBody>
       </p:sp>
@@ -1365,6 +1341,90 @@
     <p:extLst>
       <p:ext uri="{BB962C8B-B14F-4D97-AF65-F5344CB8AC3E}">
         <p14:creationId xmlns:p14="http://schemas.microsoft.com/office/powerpoint/2010/main" val="1715370023"/>
+      </p:ext>
+    </p:extLst>
+  </p:cSld>
+  <p:clrMapOvr>
+    <a:masterClrMapping/>
+  </p:clrMapOvr>
+</p:notes>
+</file>
+
+<file path=ppt/notesSlides/notesSlide8.xml><?xml version="1.0" encoding="utf-8"?>
+<p:notes xmlns:a="http://schemas.openxmlformats.org/drawingml/2006/main" xmlns:r="http://schemas.openxmlformats.org/officeDocument/2006/relationships" xmlns:p="http://schemas.openxmlformats.org/presentationml/2006/main">
+  <p:cSld>
+    <p:spTree>
+      <p:nvGrpSpPr>
+        <p:cNvPr id="1" name=""/>
+        <p:cNvGrpSpPr/>
+        <p:nvPr/>
+      </p:nvGrpSpPr>
+      <p:grpSpPr>
+        <a:xfrm>
+          <a:off x="0" y="0"/>
+          <a:ext cx="0" cy="0"/>
+          <a:chOff x="0" y="0"/>
+          <a:chExt cx="0" cy="0"/>
+        </a:xfrm>
+      </p:grpSpPr>
+      <p:sp>
+        <p:nvSpPr>
+          <p:cNvPr id="2" name="投影片影像版面配置區 1"/>
+          <p:cNvSpPr>
+            <a:spLocks noGrp="1" noRot="1" noChangeAspect="1"/>
+          </p:cNvSpPr>
+          <p:nvPr>
+            <p:ph type="sldImg"/>
+          </p:nvPr>
+        </p:nvSpPr>
+        <p:spPr/>
+      </p:sp>
+      <p:sp>
+        <p:nvSpPr>
+          <p:cNvPr id="3" name="備忘稿版面配置區 2"/>
+          <p:cNvSpPr>
+            <a:spLocks noGrp="1"/>
+          </p:cNvSpPr>
+          <p:nvPr>
+            <p:ph type="body" idx="1"/>
+          </p:nvPr>
+        </p:nvSpPr>
+        <p:spPr/>
+        <p:txBody>
+          <a:bodyPr/>
+          <a:lstStyle/>
+          <a:p>
+            <a:endParaRPr lang="zh-TW" altLang="en-US" dirty="0"/>
+          </a:p>
+        </p:txBody>
+      </p:sp>
+      <p:sp>
+        <p:nvSpPr>
+          <p:cNvPr id="4" name="投影片編號版面配置區 3"/>
+          <p:cNvSpPr>
+            <a:spLocks noGrp="1"/>
+          </p:cNvSpPr>
+          <p:nvPr>
+            <p:ph type="sldNum" sz="quarter" idx="5"/>
+          </p:nvPr>
+        </p:nvSpPr>
+        <p:spPr/>
+        <p:txBody>
+          <a:bodyPr/>
+          <a:lstStyle/>
+          <a:p>
+            <a:fld id="{81634873-5063-498D-BCBE-2739A18B1CC7}" type="slidenum">
+              <a:rPr lang="zh-TW" altLang="en-US" smtClean="0"/>
+              <a:t>10</a:t>
+            </a:fld>
+            <a:endParaRPr lang="zh-TW" altLang="en-US"/>
+          </a:p>
+        </p:txBody>
+      </p:sp>
+    </p:spTree>
+    <p:extLst>
+      <p:ext uri="{BB962C8B-B14F-4D97-AF65-F5344CB8AC3E}">
+        <p14:creationId xmlns:p14="http://schemas.microsoft.com/office/powerpoint/2010/main" val="1284863101"/>
       </p:ext>
     </p:extLst>
   </p:cSld>
@@ -1759,7 +1819,7 @@
             <a:fld id="{527CA299-82C8-4290-8115-6873732ACE52}" type="datetimeFigureOut">
               <a:rPr lang="zh-TW" altLang="en-US" smtClean="0"/>
               <a:pPr/>
-              <a:t>2024/4/27</a:t>
+              <a:t>2024/4/30</a:t>
             </a:fld>
             <a:endParaRPr lang="zh-TW" altLang="en-US"/>
           </a:p>
@@ -1926,7 +1986,7 @@
             <a:fld id="{527CA299-82C8-4290-8115-6873732ACE52}" type="datetimeFigureOut">
               <a:rPr lang="zh-TW" altLang="en-US" smtClean="0"/>
               <a:pPr/>
-              <a:t>2024/4/27</a:t>
+              <a:t>2024/4/30</a:t>
             </a:fld>
             <a:endParaRPr lang="zh-TW" altLang="en-US"/>
           </a:p>
@@ -2103,7 +2163,7 @@
             <a:fld id="{527CA299-82C8-4290-8115-6873732ACE52}" type="datetimeFigureOut">
               <a:rPr lang="zh-TW" altLang="en-US" smtClean="0"/>
               <a:pPr/>
-              <a:t>2024/4/27</a:t>
+              <a:t>2024/4/30</a:t>
             </a:fld>
             <a:endParaRPr lang="zh-TW" altLang="en-US"/>
           </a:p>
@@ -2274,7 +2334,7 @@
             <a:fld id="{527CA299-82C8-4290-8115-6873732ACE52}" type="datetimeFigureOut">
               <a:rPr lang="zh-TW" altLang="en-US" smtClean="0"/>
               <a:pPr/>
-              <a:t>2024/4/27</a:t>
+              <a:t>2024/4/30</a:t>
             </a:fld>
             <a:endParaRPr lang="zh-TW" altLang="en-US"/>
           </a:p>
@@ -2731,7 +2791,7 @@
             <a:fld id="{527CA299-82C8-4290-8115-6873732ACE52}" type="datetimeFigureOut">
               <a:rPr lang="zh-TW" altLang="en-US" smtClean="0"/>
               <a:pPr/>
-              <a:t>2024/4/27</a:t>
+              <a:t>2024/4/30</a:t>
             </a:fld>
             <a:endParaRPr lang="zh-TW" altLang="en-US"/>
           </a:p>
@@ -2997,7 +3057,7 @@
             <a:fld id="{527CA299-82C8-4290-8115-6873732ACE52}" type="datetimeFigureOut">
               <a:rPr lang="zh-TW" altLang="en-US" smtClean="0"/>
               <a:pPr/>
-              <a:t>2024/4/27</a:t>
+              <a:t>2024/4/30</a:t>
             </a:fld>
             <a:endParaRPr lang="zh-TW" altLang="en-US"/>
           </a:p>
@@ -3373,7 +3433,7 @@
             <a:fld id="{527CA299-82C8-4290-8115-6873732ACE52}" type="datetimeFigureOut">
               <a:rPr lang="zh-TW" altLang="en-US" smtClean="0"/>
               <a:pPr/>
-              <a:t>2024/4/27</a:t>
+              <a:t>2024/4/30</a:t>
             </a:fld>
             <a:endParaRPr lang="zh-TW" altLang="en-US"/>
           </a:p>
@@ -3497,7 +3557,7 @@
             <a:fld id="{527CA299-82C8-4290-8115-6873732ACE52}" type="datetimeFigureOut">
               <a:rPr lang="zh-TW" altLang="en-US" smtClean="0"/>
               <a:pPr/>
-              <a:t>2024/4/27</a:t>
+              <a:t>2024/4/30</a:t>
             </a:fld>
             <a:endParaRPr lang="zh-TW" altLang="en-US"/>
           </a:p>
@@ -3589,7 +3649,7 @@
             <a:fld id="{527CA299-82C8-4290-8115-6873732ACE52}" type="datetimeFigureOut">
               <a:rPr lang="zh-TW" altLang="en-US" smtClean="0"/>
               <a:pPr/>
-              <a:t>2024/4/27</a:t>
+              <a:t>2024/4/30</a:t>
             </a:fld>
             <a:endParaRPr lang="zh-TW" altLang="en-US"/>
           </a:p>
@@ -3840,7 +3900,7 @@
             <a:fld id="{527CA299-82C8-4290-8115-6873732ACE52}" type="datetimeFigureOut">
               <a:rPr lang="zh-TW" altLang="en-US" smtClean="0"/>
               <a:pPr/>
-              <a:t>2024/4/27</a:t>
+              <a:t>2024/4/30</a:t>
             </a:fld>
             <a:endParaRPr lang="zh-TW" altLang="en-US"/>
           </a:p>
@@ -4101,7 +4161,7 @@
             <a:fld id="{527CA299-82C8-4290-8115-6873732ACE52}" type="datetimeFigureOut">
               <a:rPr lang="zh-TW" altLang="en-US" smtClean="0"/>
               <a:pPr/>
-              <a:t>2024/4/27</a:t>
+              <a:t>2024/4/30</a:t>
             </a:fld>
             <a:endParaRPr lang="zh-TW" altLang="en-US"/>
           </a:p>
@@ -4507,7 +4567,7 @@
             <a:fld id="{527CA299-82C8-4290-8115-6873732ACE52}" type="datetimeFigureOut">
               <a:rPr lang="zh-TW" altLang="en-US" smtClean="0"/>
               <a:pPr/>
-              <a:t>2024/4/27</a:t>
+              <a:t>2024/4/30</a:t>
             </a:fld>
             <a:endParaRPr lang="zh-TW" altLang="en-US"/>
           </a:p>
@@ -5000,6 +5060,386 @@
         </p:txBody>
       </p:sp>
     </p:spTree>
+  </p:cSld>
+  <p:clrMapOvr>
+    <a:masterClrMapping/>
+  </p:clrMapOvr>
+</p:sld>
+</file>
+
+<file path=ppt/slides/slide10.xml><?xml version="1.0" encoding="utf-8"?>
+<p:sld xmlns:a="http://schemas.openxmlformats.org/drawingml/2006/main" xmlns:r="http://schemas.openxmlformats.org/officeDocument/2006/relationships" xmlns:p="http://schemas.openxmlformats.org/presentationml/2006/main">
+  <p:cSld>
+    <p:spTree>
+      <p:nvGrpSpPr>
+        <p:cNvPr id="1" name=""/>
+        <p:cNvGrpSpPr/>
+        <p:nvPr/>
+      </p:nvGrpSpPr>
+      <p:grpSpPr>
+        <a:xfrm>
+          <a:off x="0" y="0"/>
+          <a:ext cx="0" cy="0"/>
+          <a:chOff x="0" y="0"/>
+          <a:chExt cx="0" cy="0"/>
+        </a:xfrm>
+      </p:grpSpPr>
+      <p:sp>
+        <p:nvSpPr>
+          <p:cNvPr id="2" name="標題 1"/>
+          <p:cNvSpPr>
+            <a:spLocks noGrp="1"/>
+          </p:cNvSpPr>
+          <p:nvPr>
+            <p:ph type="title"/>
+          </p:nvPr>
+        </p:nvSpPr>
+        <p:spPr>
+          <a:xfrm>
+            <a:off x="457200" y="274638"/>
+            <a:ext cx="8229600" cy="725470"/>
+          </a:xfrm>
+        </p:spPr>
+        <p:txBody>
+          <a:bodyPr>
+            <a:noAutofit/>
+          </a:bodyPr>
+          <a:lstStyle/>
+          <a:p>
+            <a:r>
+              <a:rPr lang="en-US" altLang="zh-TW" sz="4000" dirty="0"/>
+              <a:t>Performance comparison</a:t>
+            </a:r>
+            <a:endParaRPr lang="zh-TW" altLang="en-US" sz="4000" dirty="0"/>
+          </a:p>
+        </p:txBody>
+      </p:sp>
+      <p:sp>
+        <p:nvSpPr>
+          <p:cNvPr id="3" name="內容版面配置區 2"/>
+          <p:cNvSpPr>
+            <a:spLocks noGrp="1"/>
+          </p:cNvSpPr>
+          <p:nvPr>
+            <p:ph idx="1"/>
+          </p:nvPr>
+        </p:nvSpPr>
+        <p:spPr>
+          <a:xfrm>
+            <a:off x="457200" y="1142984"/>
+            <a:ext cx="8229600" cy="5166376"/>
+          </a:xfrm>
+        </p:spPr>
+        <p:txBody>
+          <a:bodyPr>
+            <a:normAutofit/>
+          </a:bodyPr>
+          <a:lstStyle/>
+          <a:p>
+            <a:pPr>
+              <a:spcBef>
+                <a:spcPts val="1200"/>
+              </a:spcBef>
+            </a:pPr>
+            <a:endParaRPr lang="en-US" altLang="zh-TW" sz="2000" dirty="0"/>
+          </a:p>
+        </p:txBody>
+      </p:sp>
+      <p:graphicFrame>
+        <p:nvGraphicFramePr>
+          <p:cNvPr id="4" name="表格 3">
+            <a:extLst>
+              <a:ext uri="{FF2B5EF4-FFF2-40B4-BE49-F238E27FC236}">
+                <a16:creationId xmlns:a16="http://schemas.microsoft.com/office/drawing/2014/main" id="{3860037E-F7B6-39C3-2845-C874C6406ECF}"/>
+              </a:ext>
+            </a:extLst>
+          </p:cNvPr>
+          <p:cNvGraphicFramePr>
+            <a:graphicFrameLocks noGrp="1"/>
+          </p:cNvGraphicFramePr>
+          <p:nvPr>
+            <p:extLst>
+              <p:ext uri="{D42A27DB-BD31-4B8C-83A1-F6EECF244321}">
+                <p14:modId xmlns:p14="http://schemas.microsoft.com/office/powerpoint/2010/main" val="1957763288"/>
+              </p:ext>
+            </p:extLst>
+          </p:nvPr>
+        </p:nvGraphicFramePr>
+        <p:xfrm>
+          <a:off x="882000" y="1196752"/>
+          <a:ext cx="7380000" cy="2291080"/>
+        </p:xfrm>
+        <a:graphic>
+          <a:graphicData uri="http://schemas.openxmlformats.org/drawingml/2006/table">
+            <a:tbl>
+              <a:tblPr firstRow="1" bandRow="1">
+                <a:tableStyleId>{5C22544A-7EE6-4342-B048-85BDC9FD1C3A}</a:tableStyleId>
+              </a:tblPr>
+              <a:tblGrid>
+                <a:gridCol w="1440000">
+                  <a:extLst>
+                    <a:ext uri="{9D8B030D-6E8A-4147-A177-3AD203B41FA5}">
+                      <a16:colId xmlns:a16="http://schemas.microsoft.com/office/drawing/2014/main" val="2056336510"/>
+                    </a:ext>
+                  </a:extLst>
+                </a:gridCol>
+                <a:gridCol w="2376000">
+                  <a:extLst>
+                    <a:ext uri="{9D8B030D-6E8A-4147-A177-3AD203B41FA5}">
+                      <a16:colId xmlns:a16="http://schemas.microsoft.com/office/drawing/2014/main" val="1193330703"/>
+                    </a:ext>
+                  </a:extLst>
+                </a:gridCol>
+                <a:gridCol w="3564000">
+                  <a:extLst>
+                    <a:ext uri="{9D8B030D-6E8A-4147-A177-3AD203B41FA5}">
+                      <a16:colId xmlns:a16="http://schemas.microsoft.com/office/drawing/2014/main" val="1048931889"/>
+                    </a:ext>
+                  </a:extLst>
+                </a:gridCol>
+              </a:tblGrid>
+              <a:tr h="370840">
+                <a:tc>
+                  <a:txBody>
+                    <a:bodyPr/>
+                    <a:lstStyle/>
+                    <a:p>
+                      <a:endParaRPr lang="zh-TW" altLang="en-US" dirty="0"/>
+                    </a:p>
+                  </a:txBody>
+                  <a:tcPr/>
+                </a:tc>
+                <a:tc>
+                  <a:txBody>
+                    <a:bodyPr/>
+                    <a:lstStyle/>
+                    <a:p>
+                      <a:r>
+                        <a:rPr lang="en-US" altLang="zh-TW" dirty="0"/>
+                        <a:t>Simulator</a:t>
+                      </a:r>
+                      <a:endParaRPr lang="zh-TW" altLang="en-US" dirty="0"/>
+                    </a:p>
+                  </a:txBody>
+                  <a:tcPr/>
+                </a:tc>
+                <a:tc>
+                  <a:txBody>
+                    <a:bodyPr/>
+                    <a:lstStyle/>
+                    <a:p>
+                      <a:r>
+                        <a:rPr lang="en-US" altLang="zh-TW" dirty="0"/>
+                        <a:t>Slang</a:t>
+                      </a:r>
+                      <a:endParaRPr lang="zh-TW" altLang="en-US" dirty="0"/>
+                    </a:p>
+                  </a:txBody>
+                  <a:tcPr/>
+                </a:tc>
+                <a:extLst>
+                  <a:ext uri="{0D108BD9-81ED-4DB2-BD59-A6C34878D82A}">
+                    <a16:rowId xmlns:a16="http://schemas.microsoft.com/office/drawing/2014/main" val="342231824"/>
+                  </a:ext>
+                </a:extLst>
+              </a:tr>
+              <a:tr h="370840">
+                <a:tc>
+                  <a:txBody>
+                    <a:bodyPr/>
+                    <a:lstStyle/>
+                    <a:p>
+                      <a:r>
+                        <a:rPr lang="en-US" altLang="zh-TW" dirty="0"/>
+                        <a:t>Case 1</a:t>
+                      </a:r>
+                      <a:endParaRPr lang="zh-TW" altLang="en-US" dirty="0"/>
+                    </a:p>
+                  </a:txBody>
+                  <a:tcPr/>
+                </a:tc>
+                <a:tc>
+                  <a:txBody>
+                    <a:bodyPr/>
+                    <a:lstStyle/>
+                    <a:p>
+                      <a:r>
+                        <a:rPr lang="en-US" altLang="zh-TW" dirty="0"/>
+                        <a:t>4.94s</a:t>
+                      </a:r>
+                      <a:br>
+                        <a:rPr lang="en-US" altLang="zh-TW" dirty="0"/>
+                      </a:br>
+                      <a:r>
+                        <a:rPr lang="en-US" altLang="zh-TW" dirty="0"/>
+                        <a:t>0 warnings</a:t>
+                      </a:r>
+                      <a:endParaRPr lang="zh-TW" altLang="en-US" dirty="0"/>
+                    </a:p>
+                  </a:txBody>
+                  <a:tcPr/>
+                </a:tc>
+                <a:tc>
+                  <a:txBody>
+                    <a:bodyPr/>
+                    <a:lstStyle/>
+                    <a:p>
+                      <a:r>
+                        <a:rPr lang="en-US" altLang="zh-TW" dirty="0"/>
+                        <a:t>0.15s (33x)</a:t>
+                      </a:r>
+                      <a:br>
+                        <a:rPr lang="en-US" altLang="zh-TW" dirty="0"/>
+                      </a:br>
+                      <a:r>
+                        <a:rPr lang="en-US" altLang="zh-TW" dirty="0"/>
+                        <a:t>0 errors, 0 warnings</a:t>
+                      </a:r>
+                      <a:endParaRPr lang="zh-TW" altLang="en-US" dirty="0"/>
+                    </a:p>
+                  </a:txBody>
+                  <a:tcPr/>
+                </a:tc>
+                <a:extLst>
+                  <a:ext uri="{0D108BD9-81ED-4DB2-BD59-A6C34878D82A}">
+                    <a16:rowId xmlns:a16="http://schemas.microsoft.com/office/drawing/2014/main" val="2877207263"/>
+                  </a:ext>
+                </a:extLst>
+              </a:tr>
+              <a:tr h="370840">
+                <a:tc>
+                  <a:txBody>
+                    <a:bodyPr/>
+                    <a:lstStyle/>
+                    <a:p>
+                      <a:r>
+                        <a:rPr lang="en-US" altLang="zh-TW" dirty="0"/>
+                        <a:t>Case 2</a:t>
+                      </a:r>
+                      <a:endParaRPr lang="zh-TW" altLang="en-US" dirty="0"/>
+                    </a:p>
+                  </a:txBody>
+                  <a:tcPr/>
+                </a:tc>
+                <a:tc>
+                  <a:txBody>
+                    <a:bodyPr/>
+                    <a:lstStyle/>
+                    <a:p>
+                      <a:r>
+                        <a:rPr lang="en-US" altLang="zh-TW" dirty="0"/>
+                        <a:t>60s</a:t>
+                      </a:r>
+                      <a:br>
+                        <a:rPr lang="en-US" altLang="zh-TW" dirty="0"/>
+                      </a:br>
+                      <a:r>
+                        <a:rPr lang="en-US" altLang="zh-TW" dirty="0"/>
+                        <a:t>17 warnings</a:t>
+                      </a:r>
+                      <a:endParaRPr lang="zh-TW" altLang="en-US" dirty="0"/>
+                    </a:p>
+                  </a:txBody>
+                  <a:tcPr/>
+                </a:tc>
+                <a:tc>
+                  <a:txBody>
+                    <a:bodyPr/>
+                    <a:lstStyle/>
+                    <a:p>
+                      <a:r>
+                        <a:rPr lang="en-US" altLang="zh-TW" dirty="0"/>
+                        <a:t>1.49s (40x)</a:t>
+                      </a:r>
+                      <a:br>
+                        <a:rPr lang="en-US" altLang="zh-TW" dirty="0"/>
+                      </a:br>
+                      <a:r>
+                        <a:rPr lang="en-US" altLang="zh-TW" dirty="0"/>
+                        <a:t>12 errors, 3 warnings</a:t>
+                      </a:r>
+                      <a:endParaRPr lang="zh-TW" altLang="en-US" dirty="0"/>
+                    </a:p>
+                  </a:txBody>
+                  <a:tcPr/>
+                </a:tc>
+                <a:extLst>
+                  <a:ext uri="{0D108BD9-81ED-4DB2-BD59-A6C34878D82A}">
+                    <a16:rowId xmlns:a16="http://schemas.microsoft.com/office/drawing/2014/main" val="855111471"/>
+                  </a:ext>
+                </a:extLst>
+              </a:tr>
+              <a:tr h="370840">
+                <a:tc>
+                  <a:txBody>
+                    <a:bodyPr/>
+                    <a:lstStyle/>
+                    <a:p>
+                      <a:r>
+                        <a:rPr lang="en-US" altLang="zh-TW" dirty="0"/>
+                        <a:t>Case 3</a:t>
+                      </a:r>
+                      <a:endParaRPr lang="zh-TW" altLang="en-US" dirty="0"/>
+                    </a:p>
+                  </a:txBody>
+                  <a:tcPr/>
+                </a:tc>
+                <a:tc>
+                  <a:txBody>
+                    <a:bodyPr/>
+                    <a:lstStyle/>
+                    <a:p>
+                      <a:r>
+                        <a:rPr lang="en-US" altLang="zh-TW" dirty="0"/>
+                        <a:t>225s</a:t>
+                      </a:r>
+                    </a:p>
+                    <a:p>
+                      <a:r>
+                        <a:rPr lang="en-US" altLang="zh-TW" dirty="0"/>
+                        <a:t>3367 warnings</a:t>
+                      </a:r>
+                      <a:endParaRPr lang="zh-TW" altLang="en-US" dirty="0"/>
+                    </a:p>
+                  </a:txBody>
+                  <a:tcPr/>
+                </a:tc>
+                <a:tc>
+                  <a:txBody>
+                    <a:bodyPr/>
+                    <a:lstStyle/>
+                    <a:p>
+                      <a:r>
+                        <a:rPr lang="en-US" altLang="zh-TW" dirty="0"/>
+                        <a:t>17.19s (13)</a:t>
+                      </a:r>
+                    </a:p>
+                    <a:p>
+                      <a:r>
+                        <a:rPr lang="en-US" altLang="zh-TW" dirty="0"/>
+                        <a:t>99 errors, 3325 warnings</a:t>
+                      </a:r>
+                      <a:endParaRPr lang="zh-TW" altLang="en-US" dirty="0"/>
+                    </a:p>
+                  </a:txBody>
+                  <a:tcPr/>
+                </a:tc>
+                <a:extLst>
+                  <a:ext uri="{0D108BD9-81ED-4DB2-BD59-A6C34878D82A}">
+                    <a16:rowId xmlns:a16="http://schemas.microsoft.com/office/drawing/2014/main" val="3003137556"/>
+                  </a:ext>
+                </a:extLst>
+              </a:tr>
+            </a:tbl>
+          </a:graphicData>
+        </a:graphic>
+      </p:graphicFrame>
+    </p:spTree>
+    <p:extLst>
+      <p:ext uri="{BB962C8B-B14F-4D97-AF65-F5344CB8AC3E}">
+        <p14:creationId xmlns:p14="http://schemas.microsoft.com/office/powerpoint/2010/main" val="3690412312"/>
+      </p:ext>
+    </p:extLst>
   </p:cSld>
   <p:clrMapOvr>
     <a:masterClrMapping/>

--- a/SystemVerilog parser Introduction.pptx
+++ b/SystemVerilog parser Introduction.pptx
@@ -5143,6 +5143,94 @@
             </a:pPr>
             <a:endParaRPr lang="en-US" altLang="zh-TW" sz="2000" dirty="0"/>
           </a:p>
+          <a:p>
+            <a:pPr>
+              <a:spcBef>
+                <a:spcPts val="1200"/>
+              </a:spcBef>
+            </a:pPr>
+            <a:endParaRPr lang="en-US" altLang="zh-TW" sz="2000" dirty="0"/>
+          </a:p>
+          <a:p>
+            <a:pPr>
+              <a:spcBef>
+                <a:spcPts val="1200"/>
+              </a:spcBef>
+            </a:pPr>
+            <a:endParaRPr lang="en-US" altLang="zh-TW" sz="2000" dirty="0"/>
+          </a:p>
+          <a:p>
+            <a:pPr>
+              <a:spcBef>
+                <a:spcPts val="1200"/>
+              </a:spcBef>
+            </a:pPr>
+            <a:endParaRPr lang="en-US" altLang="zh-TW" sz="2000" dirty="0"/>
+          </a:p>
+          <a:p>
+            <a:pPr>
+              <a:spcBef>
+                <a:spcPts val="1200"/>
+              </a:spcBef>
+            </a:pPr>
+            <a:endParaRPr lang="en-US" altLang="zh-TW" sz="2000" dirty="0"/>
+          </a:p>
+          <a:p>
+            <a:pPr>
+              <a:spcBef>
+                <a:spcPts val="1200"/>
+              </a:spcBef>
+            </a:pPr>
+            <a:endParaRPr lang="en-US" altLang="zh-TW" sz="2000" dirty="0"/>
+          </a:p>
+          <a:p>
+            <a:pPr>
+              <a:spcBef>
+                <a:spcPts val="1200"/>
+              </a:spcBef>
+            </a:pPr>
+            <a:endParaRPr lang="en-US" altLang="zh-TW" sz="2000" dirty="0"/>
+          </a:p>
+          <a:p>
+            <a:pPr>
+              <a:spcBef>
+                <a:spcPts val="1200"/>
+              </a:spcBef>
+            </a:pPr>
+            <a:endParaRPr lang="en-US" altLang="zh-TW" sz="2000" dirty="0"/>
+          </a:p>
+          <a:p>
+            <a:pPr>
+              <a:spcBef>
+                <a:spcPts val="1200"/>
+              </a:spcBef>
+            </a:pPr>
+            <a:endParaRPr lang="en-US" altLang="zh-TW" sz="2000" dirty="0">
+              <a:latin typeface="Courier New" panose="02070309020205020404" pitchFamily="49" charset="0"/>
+              <a:cs typeface="Courier New" panose="02070309020205020404" pitchFamily="49" charset="0"/>
+            </a:endParaRPr>
+          </a:p>
+          <a:p>
+            <a:pPr>
+              <a:spcBef>
+                <a:spcPts val="1200"/>
+              </a:spcBef>
+            </a:pPr>
+            <a:r>
+              <a:rPr lang="en-US" altLang="zh-TW" sz="2000" dirty="0">
+                <a:latin typeface="Courier New" panose="02070309020205020404" pitchFamily="49" charset="0"/>
+                <a:cs typeface="Courier New" panose="02070309020205020404" pitchFamily="49" charset="0"/>
+              </a:rPr>
+              <a:t>--lint-only</a:t>
+            </a:r>
+            <a:br>
+              <a:rPr lang="en-US" altLang="zh-TW" sz="2000" dirty="0"/>
+            </a:br>
+            <a:r>
+              <a:rPr lang="en-US" altLang="zh-TW" sz="2000" dirty="0"/>
+              <a:t>Only perform linting of code, don't try to elaborate a full hierarchy.</a:t>
+            </a:r>
+          </a:p>
         </p:txBody>
       </p:sp>
       <p:graphicFrame>
@@ -5160,14 +5248,14 @@
           <p:nvPr>
             <p:extLst>
               <p:ext uri="{D42A27DB-BD31-4B8C-83A1-F6EECF244321}">
-                <p14:modId xmlns:p14="http://schemas.microsoft.com/office/powerpoint/2010/main" val="1957763288"/>
+                <p14:modId xmlns:p14="http://schemas.microsoft.com/office/powerpoint/2010/main" val="1925994678"/>
               </p:ext>
             </p:extLst>
           </p:nvPr>
         </p:nvGraphicFramePr>
         <p:xfrm>
-          <a:off x="882000" y="1196752"/>
-          <a:ext cx="7380000" cy="2291080"/>
+          <a:off x="882000" y="1153904"/>
+          <a:ext cx="7380000" cy="3571240"/>
         </p:xfrm>
         <a:graphic>
           <a:graphicData uri="http://schemas.openxmlformats.org/drawingml/2006/table">
@@ -5411,7 +5499,7 @@
                     <a:p>
                       <a:r>
                         <a:rPr lang="en-US" altLang="zh-TW" dirty="0"/>
-                        <a:t>17.19s (13)</a:t>
+                        <a:t>17.19s (13x)</a:t>
                       </a:r>
                     </a:p>
                     <a:p>
@@ -5427,6 +5515,114 @@
                 <a:extLst>
                   <a:ext uri="{0D108BD9-81ED-4DB2-BD59-A6C34878D82A}">
                     <a16:rowId xmlns:a16="http://schemas.microsoft.com/office/drawing/2014/main" val="3003137556"/>
+                  </a:ext>
+                </a:extLst>
+              </a:tr>
+              <a:tr h="370840">
+                <a:tc rowSpan="2">
+                  <a:txBody>
+                    <a:bodyPr/>
+                    <a:lstStyle/>
+                    <a:p>
+                      <a:r>
+                        <a:rPr lang="en-US" altLang="zh-TW" dirty="0"/>
+                        <a:t>Case 4</a:t>
+                      </a:r>
+                      <a:endParaRPr lang="zh-TW" altLang="en-US" dirty="0"/>
+                    </a:p>
+                  </a:txBody>
+                  <a:tcPr/>
+                </a:tc>
+                <a:tc rowSpan="2">
+                  <a:txBody>
+                    <a:bodyPr/>
+                    <a:lstStyle/>
+                    <a:p>
+                      <a:r>
+                        <a:rPr lang="en-US" altLang="zh-TW" dirty="0"/>
+                        <a:t>190s</a:t>
+                      </a:r>
+                    </a:p>
+                    <a:p>
+                      <a:r>
+                        <a:rPr lang="en-US" altLang="zh-TW" dirty="0"/>
+                        <a:t>619 warnings</a:t>
+                      </a:r>
+                      <a:endParaRPr lang="zh-TW" altLang="en-US" dirty="0"/>
+                    </a:p>
+                  </a:txBody>
+                  <a:tcPr/>
+                </a:tc>
+                <a:tc>
+                  <a:txBody>
+                    <a:bodyPr/>
+                    <a:lstStyle/>
+                    <a:p>
+                      <a:r>
+                        <a:rPr lang="en-US" altLang="zh-TW" dirty="0"/>
+                        <a:t>49.87s (3.8x)</a:t>
+                      </a:r>
+                    </a:p>
+                    <a:p>
+                      <a:r>
+                        <a:rPr lang="en-US" altLang="zh-TW" dirty="0"/>
+                        <a:t>1337 errors, 11585 warnings</a:t>
+                      </a:r>
+                      <a:endParaRPr lang="zh-TW" altLang="en-US" dirty="0"/>
+                    </a:p>
+                  </a:txBody>
+                  <a:tcPr/>
+                </a:tc>
+                <a:extLst>
+                  <a:ext uri="{0D108BD9-81ED-4DB2-BD59-A6C34878D82A}">
+                    <a16:rowId xmlns:a16="http://schemas.microsoft.com/office/drawing/2014/main" val="984791529"/>
+                  </a:ext>
+                </a:extLst>
+              </a:tr>
+              <a:tr h="370840">
+                <a:tc vMerge="1">
+                  <a:txBody>
+                    <a:bodyPr/>
+                    <a:lstStyle/>
+                    <a:p>
+                      <a:endParaRPr lang="zh-TW" altLang="en-US" dirty="0"/>
+                    </a:p>
+                  </a:txBody>
+                  <a:tcPr/>
+                </a:tc>
+                <a:tc vMerge="1">
+                  <a:txBody>
+                    <a:bodyPr/>
+                    <a:lstStyle/>
+                    <a:p>
+                      <a:endParaRPr lang="zh-TW" altLang="en-US" dirty="0"/>
+                    </a:p>
+                  </a:txBody>
+                  <a:tcPr/>
+                </a:tc>
+                <a:tc>
+                  <a:txBody>
+                    <a:bodyPr/>
+                    <a:lstStyle/>
+                    <a:p>
+                      <a:r>
+                        <a:rPr lang="en-US" altLang="zh-TW" dirty="0"/>
+                        <a:t>22.93s (8x) lint-only</a:t>
+                      </a:r>
+                    </a:p>
+                    <a:p>
+                      <a:r>
+                        <a:rPr lang="en-US" altLang="zh-TW" dirty="0"/>
+                        <a:t>874 errors, 10043 warnings</a:t>
+                      </a:r>
+                      <a:endParaRPr lang="zh-TW" altLang="en-US" dirty="0"/>
+                    </a:p>
+                  </a:txBody>
+                  <a:tcPr/>
+                </a:tc>
+                <a:extLst>
+                  <a:ext uri="{0D108BD9-81ED-4DB2-BD59-A6C34878D82A}">
+                    <a16:rowId xmlns:a16="http://schemas.microsoft.com/office/drawing/2014/main" val="1878710667"/>
                   </a:ext>
                 </a:extLst>
               </a:tr>
@@ -6158,6 +6354,38 @@
               <a:t>)</a:t>
             </a:r>
           </a:p>
+          <a:p>
+            <a:pPr>
+              <a:spcBef>
+                <a:spcPts val="1200"/>
+              </a:spcBef>
+            </a:pPr>
+            <a:r>
+              <a:rPr lang="en-US" altLang="zh-TW" sz="2000" dirty="0">
+                <a:solidFill>
+                  <a:srgbClr val="FFFF00"/>
+                </a:solidFill>
+                <a:latin typeface="Courier New" panose="02070309020205020404" pitchFamily="49" charset="0"/>
+                <a:cs typeface="Courier New" panose="02070309020205020404" pitchFamily="49" charset="0"/>
+              </a:rPr>
+              <a:t>`pragma protect</a:t>
+            </a:r>
+            <a:r>
+              <a:rPr lang="en-US" altLang="zh-TW" sz="2000" dirty="0"/>
+              <a:t> directives are validated for correctness.</a:t>
+            </a:r>
+          </a:p>
+          <a:p>
+            <a:pPr>
+              <a:spcBef>
+                <a:spcPts val="1200"/>
+              </a:spcBef>
+            </a:pPr>
+            <a:r>
+              <a:rPr lang="en-US" altLang="zh-TW" sz="2000" dirty="0"/>
+              <a:t>encrypted text is skipped</a:t>
+            </a:r>
+          </a:p>
         </p:txBody>
       </p:sp>
       <p:pic>
@@ -6182,7 +6410,7 @@
         </p:blipFill>
         <p:spPr>
           <a:xfrm>
-            <a:off x="0" y="1681646"/>
+            <a:off x="0" y="2620320"/>
             <a:ext cx="9144000" cy="4051610"/>
           </a:xfrm>
           <a:prstGeom prst="rect">
@@ -6382,7 +6610,13 @@
       </p:sp>
       <p:sp>
         <p:nvSpPr>
-          <p:cNvPr id="3" name="內容版面配置區 2"/>
+          <p:cNvPr id="4" name="內容版面配置區 2">
+            <a:extLst>
+              <a:ext uri="{FF2B5EF4-FFF2-40B4-BE49-F238E27FC236}">
+                <a16:creationId xmlns:a16="http://schemas.microsoft.com/office/drawing/2014/main" id="{A8808E89-C4FA-58C6-FD42-F631488FBF25}"/>
+              </a:ext>
+            </a:extLst>
+          </p:cNvPr>
           <p:cNvSpPr>
             <a:spLocks noGrp="1"/>
           </p:cNvSpPr>
@@ -6393,7 +6627,7 @@
         <p:spPr>
           <a:xfrm>
             <a:off x="457200" y="1142984"/>
-            <a:ext cx="4186808" cy="5166376"/>
+            <a:ext cx="8229600" cy="5166376"/>
           </a:xfrm>
         </p:spPr>
         <p:txBody>
@@ -6477,7 +6711,7 @@
         </p:blipFill>
         <p:spPr>
           <a:xfrm>
-            <a:off x="4644008" y="1305040"/>
+            <a:off x="445801" y="2664071"/>
             <a:ext cx="3714286" cy="1961905"/>
           </a:xfrm>
           <a:prstGeom prst="rect">
@@ -6513,7 +6747,7 @@
         </p:blipFill>
         <p:spPr>
           <a:xfrm>
-            <a:off x="4647034" y="3429000"/>
+            <a:off x="4411493" y="2664071"/>
             <a:ext cx="4285714" cy="2609524"/>
           </a:xfrm>
           <a:prstGeom prst="rect">

--- a/SystemVerilog parser Introduction.pptx
+++ b/SystemVerilog parser Introduction.pptx
@@ -217,7 +217,7 @@
           <a:p>
             <a:fld id="{88F6225B-796D-41D8-9C9A-35855C549521}" type="datetimeFigureOut">
               <a:rPr lang="zh-TW" altLang="en-US" smtClean="0"/>
-              <a:t>2024/4/30</a:t>
+              <a:t>2024/5/1</a:t>
             </a:fld>
             <a:endParaRPr lang="zh-TW" altLang="en-US"/>
           </a:p>
@@ -1819,7 +1819,7 @@
             <a:fld id="{527CA299-82C8-4290-8115-6873732ACE52}" type="datetimeFigureOut">
               <a:rPr lang="zh-TW" altLang="en-US" smtClean="0"/>
               <a:pPr/>
-              <a:t>2024/4/30</a:t>
+              <a:t>2024/5/1</a:t>
             </a:fld>
             <a:endParaRPr lang="zh-TW" altLang="en-US"/>
           </a:p>
@@ -1986,7 +1986,7 @@
             <a:fld id="{527CA299-82C8-4290-8115-6873732ACE52}" type="datetimeFigureOut">
               <a:rPr lang="zh-TW" altLang="en-US" smtClean="0"/>
               <a:pPr/>
-              <a:t>2024/4/30</a:t>
+              <a:t>2024/5/1</a:t>
             </a:fld>
             <a:endParaRPr lang="zh-TW" altLang="en-US"/>
           </a:p>
@@ -2163,7 +2163,7 @@
             <a:fld id="{527CA299-82C8-4290-8115-6873732ACE52}" type="datetimeFigureOut">
               <a:rPr lang="zh-TW" altLang="en-US" smtClean="0"/>
               <a:pPr/>
-              <a:t>2024/4/30</a:t>
+              <a:t>2024/5/1</a:t>
             </a:fld>
             <a:endParaRPr lang="zh-TW" altLang="en-US"/>
           </a:p>
@@ -2334,7 +2334,7 @@
             <a:fld id="{527CA299-82C8-4290-8115-6873732ACE52}" type="datetimeFigureOut">
               <a:rPr lang="zh-TW" altLang="en-US" smtClean="0"/>
               <a:pPr/>
-              <a:t>2024/4/30</a:t>
+              <a:t>2024/5/1</a:t>
             </a:fld>
             <a:endParaRPr lang="zh-TW" altLang="en-US"/>
           </a:p>
@@ -2791,7 +2791,7 @@
             <a:fld id="{527CA299-82C8-4290-8115-6873732ACE52}" type="datetimeFigureOut">
               <a:rPr lang="zh-TW" altLang="en-US" smtClean="0"/>
               <a:pPr/>
-              <a:t>2024/4/30</a:t>
+              <a:t>2024/5/1</a:t>
             </a:fld>
             <a:endParaRPr lang="zh-TW" altLang="en-US"/>
           </a:p>
@@ -3057,7 +3057,7 @@
             <a:fld id="{527CA299-82C8-4290-8115-6873732ACE52}" type="datetimeFigureOut">
               <a:rPr lang="zh-TW" altLang="en-US" smtClean="0"/>
               <a:pPr/>
-              <a:t>2024/4/30</a:t>
+              <a:t>2024/5/1</a:t>
             </a:fld>
             <a:endParaRPr lang="zh-TW" altLang="en-US"/>
           </a:p>
@@ -3433,7 +3433,7 @@
             <a:fld id="{527CA299-82C8-4290-8115-6873732ACE52}" type="datetimeFigureOut">
               <a:rPr lang="zh-TW" altLang="en-US" smtClean="0"/>
               <a:pPr/>
-              <a:t>2024/4/30</a:t>
+              <a:t>2024/5/1</a:t>
             </a:fld>
             <a:endParaRPr lang="zh-TW" altLang="en-US"/>
           </a:p>
@@ -3557,7 +3557,7 @@
             <a:fld id="{527CA299-82C8-4290-8115-6873732ACE52}" type="datetimeFigureOut">
               <a:rPr lang="zh-TW" altLang="en-US" smtClean="0"/>
               <a:pPr/>
-              <a:t>2024/4/30</a:t>
+              <a:t>2024/5/1</a:t>
             </a:fld>
             <a:endParaRPr lang="zh-TW" altLang="en-US"/>
           </a:p>
@@ -3649,7 +3649,7 @@
             <a:fld id="{527CA299-82C8-4290-8115-6873732ACE52}" type="datetimeFigureOut">
               <a:rPr lang="zh-TW" altLang="en-US" smtClean="0"/>
               <a:pPr/>
-              <a:t>2024/4/30</a:t>
+              <a:t>2024/5/1</a:t>
             </a:fld>
             <a:endParaRPr lang="zh-TW" altLang="en-US"/>
           </a:p>
@@ -3900,7 +3900,7 @@
             <a:fld id="{527CA299-82C8-4290-8115-6873732ACE52}" type="datetimeFigureOut">
               <a:rPr lang="zh-TW" altLang="en-US" smtClean="0"/>
               <a:pPr/>
-              <a:t>2024/4/30</a:t>
+              <a:t>2024/5/1</a:t>
             </a:fld>
             <a:endParaRPr lang="zh-TW" altLang="en-US"/>
           </a:p>
@@ -4161,7 +4161,7 @@
             <a:fld id="{527CA299-82C8-4290-8115-6873732ACE52}" type="datetimeFigureOut">
               <a:rPr lang="zh-TW" altLang="en-US" smtClean="0"/>
               <a:pPr/>
-              <a:t>2024/4/30</a:t>
+              <a:t>2024/5/1</a:t>
             </a:fld>
             <a:endParaRPr lang="zh-TW" altLang="en-US"/>
           </a:p>
@@ -4567,7 +4567,7 @@
             <a:fld id="{527CA299-82C8-4290-8115-6873732ACE52}" type="datetimeFigureOut">
               <a:rPr lang="zh-TW" altLang="en-US" smtClean="0"/>
               <a:pPr/>
-              <a:t>2024/4/30</a:t>
+              <a:t>2024/5/1</a:t>
             </a:fld>
             <a:endParaRPr lang="zh-TW" altLang="en-US"/>
           </a:p>
@@ -5053,7 +5053,7 @@
             <a:pPr algn="r"/>
             <a:r>
               <a:rPr lang="en-US" altLang="zh-TW" sz="2000" dirty="0"/>
-              <a:t>2020/9/25</a:t>
+              <a:t>2024/5/1</a:t>
             </a:r>
             <a:endParaRPr lang="zh-TW" altLang="en-US" sz="2000" dirty="0"/>
           </a:p>
@@ -5738,7 +5738,7 @@
             </a:pPr>
             <a:r>
               <a:rPr lang="en-US" altLang="zh-TW" sz="2000" dirty="0"/>
-              <a:t>Demo examples.</a:t>
+              <a:t>Example results</a:t>
             </a:r>
           </a:p>
         </p:txBody>

--- a/SystemVerilog parser Introduction.pptx
+++ b/SystemVerilog parser Introduction.pptx
@@ -1394,6 +1394,10 @@
           <a:bodyPr/>
           <a:lstStyle/>
           <a:p>
+            <a:r>
+              <a:rPr lang="en-US" altLang="zh-TW" dirty="0"/>
+              <a:t>Case 4 use 26GB memory</a:t>
+            </a:r>
             <a:endParaRPr lang="zh-TW" altLang="en-US" dirty="0"/>
           </a:p>
         </p:txBody>
@@ -5132,7 +5136,7 @@
         </p:spPr>
         <p:txBody>
           <a:bodyPr>
-            <a:normAutofit/>
+            <a:normAutofit lnSpcReduction="10000"/>
           </a:bodyPr>
           <a:lstStyle/>
           <a:p>
@@ -5198,6 +5202,17 @@
               </a:spcBef>
             </a:pPr>
             <a:endParaRPr lang="en-US" altLang="zh-TW" sz="2000" dirty="0"/>
+          </a:p>
+          <a:p>
+            <a:pPr>
+              <a:spcBef>
+                <a:spcPts val="1200"/>
+              </a:spcBef>
+            </a:pPr>
+            <a:endParaRPr lang="en-US" altLang="zh-TW" sz="2000" dirty="0">
+              <a:latin typeface="Courier New" panose="02070309020205020404" pitchFamily="49" charset="0"/>
+              <a:cs typeface="Courier New" panose="02070309020205020404" pitchFamily="49" charset="0"/>
+            </a:endParaRPr>
           </a:p>
           <a:p>
             <a:pPr>
@@ -5248,14 +5263,14 @@
           <p:nvPr>
             <p:extLst>
               <p:ext uri="{D42A27DB-BD31-4B8C-83A1-F6EECF244321}">
-                <p14:modId xmlns:p14="http://schemas.microsoft.com/office/powerpoint/2010/main" val="1925994678"/>
+                <p14:modId xmlns:p14="http://schemas.microsoft.com/office/powerpoint/2010/main" val="2357848375"/>
               </p:ext>
             </p:extLst>
           </p:nvPr>
         </p:nvGraphicFramePr>
         <p:xfrm>
           <a:off x="882000" y="1153904"/>
-          <a:ext cx="7380000" cy="3571240"/>
+          <a:ext cx="7380000" cy="4211320"/>
         </p:xfrm>
         <a:graphic>
           <a:graphicData uri="http://schemas.openxmlformats.org/drawingml/2006/table">
@@ -5353,7 +5368,7 @@
                     <a:p>
                       <a:r>
                         <a:rPr lang="en-US" altLang="zh-TW" dirty="0"/>
-                        <a:t>4.94s</a:t>
+                        <a:t>4.94 sec</a:t>
                       </a:r>
                       <a:br>
                         <a:rPr lang="en-US" altLang="zh-TW" dirty="0"/>
@@ -5374,7 +5389,7 @@
                     <a:p>
                       <a:r>
                         <a:rPr lang="en-US" altLang="zh-TW" dirty="0"/>
-                        <a:t>0.15s (33x)</a:t>
+                        <a:t>0.15 sec (33x)</a:t>
                       </a:r>
                       <a:br>
                         <a:rPr lang="en-US" altLang="zh-TW" dirty="0"/>
@@ -5416,7 +5431,7 @@
                     <a:p>
                       <a:r>
                         <a:rPr lang="en-US" altLang="zh-TW" dirty="0"/>
-                        <a:t>60s</a:t>
+                        <a:t>60 sec</a:t>
                       </a:r>
                       <a:br>
                         <a:rPr lang="en-US" altLang="zh-TW" dirty="0"/>
@@ -5437,7 +5452,7 @@
                     <a:p>
                       <a:r>
                         <a:rPr lang="en-US" altLang="zh-TW" dirty="0"/>
-                        <a:t>1.49s (40x)</a:t>
+                        <a:t>1.49 sec (40x)</a:t>
                       </a:r>
                       <a:br>
                         <a:rPr lang="en-US" altLang="zh-TW" dirty="0"/>
@@ -5479,7 +5494,7 @@
                     <a:p>
                       <a:r>
                         <a:rPr lang="en-US" altLang="zh-TW" dirty="0"/>
-                        <a:t>225s</a:t>
+                        <a:t>225 sec</a:t>
                       </a:r>
                     </a:p>
                     <a:p>
@@ -5499,7 +5514,7 @@
                     <a:p>
                       <a:r>
                         <a:rPr lang="en-US" altLang="zh-TW" dirty="0"/>
-                        <a:t>17.19s (13x)</a:t>
+                        <a:t>17.19 sec (13x)</a:t>
                       </a:r>
                     </a:p>
                     <a:p>
@@ -5519,7 +5534,7 @@
                 </a:extLst>
               </a:tr>
               <a:tr h="370840">
-                <a:tc rowSpan="2">
+                <a:tc>
                   <a:txBody>
                     <a:bodyPr/>
                     <a:lstStyle/>
@@ -5533,6 +5548,53 @@
                   </a:txBody>
                   <a:tcPr/>
                 </a:tc>
+                <a:tc>
+                  <a:txBody>
+                    <a:bodyPr/>
+                    <a:lstStyle/>
+                    <a:p>
+                      <a:r>
+                        <a:rPr lang="en-US" altLang="zh-TW" dirty="0"/>
+                        <a:t>1049 sec</a:t>
+                      </a:r>
+                    </a:p>
+                    <a:p>
+                      <a:r>
+                        <a:rPr lang="en-US" altLang="zh-TW" dirty="0"/>
+                        <a:t>1894 warnings</a:t>
+                      </a:r>
+                      <a:endParaRPr lang="zh-TW" altLang="en-US" dirty="0"/>
+                    </a:p>
+                  </a:txBody>
+                  <a:tcPr/>
+                </a:tc>
+                <a:tc>
+                  <a:txBody>
+                    <a:bodyPr/>
+                    <a:lstStyle/>
+                    <a:p>
+                      <a:r>
+                        <a:rPr lang="en-US" altLang="zh-TW" dirty="0"/>
+                        <a:t>97.72 sec (10x)</a:t>
+                      </a:r>
+                    </a:p>
+                    <a:p>
+                      <a:r>
+                        <a:rPr lang="en-US" altLang="zh-TW" dirty="0"/>
+                        <a:t>2281 errors, 2034 warnings</a:t>
+                      </a:r>
+                      <a:endParaRPr lang="zh-TW" altLang="en-US" dirty="0"/>
+                    </a:p>
+                  </a:txBody>
+                  <a:tcPr/>
+                </a:tc>
+                <a:extLst>
+                  <a:ext uri="{0D108BD9-81ED-4DB2-BD59-A6C34878D82A}">
+                    <a16:rowId xmlns:a16="http://schemas.microsoft.com/office/drawing/2014/main" val="421562167"/>
+                  </a:ext>
+                </a:extLst>
+              </a:tr>
+              <a:tr h="370840">
                 <a:tc rowSpan="2">
                   <a:txBody>
                     <a:bodyPr/>
@@ -5540,7 +5602,21 @@
                     <a:p>
                       <a:r>
                         <a:rPr lang="en-US" altLang="zh-TW" dirty="0"/>
-                        <a:t>190s</a:t>
+                        <a:t>Case 5</a:t>
+                      </a:r>
+                      <a:endParaRPr lang="zh-TW" altLang="en-US" dirty="0"/>
+                    </a:p>
+                  </a:txBody>
+                  <a:tcPr/>
+                </a:tc>
+                <a:tc rowSpan="2">
+                  <a:txBody>
+                    <a:bodyPr/>
+                    <a:lstStyle/>
+                    <a:p>
+                      <a:r>
+                        <a:rPr lang="en-US" altLang="zh-TW" dirty="0"/>
+                        <a:t>190 sec</a:t>
                       </a:r>
                     </a:p>
                     <a:p>
@@ -5560,7 +5636,7 @@
                     <a:p>
                       <a:r>
                         <a:rPr lang="en-US" altLang="zh-TW" dirty="0"/>
-                        <a:t>49.87s (3.8x)</a:t>
+                        <a:t>49.87 sec (3.8x)</a:t>
                       </a:r>
                     </a:p>
                     <a:p>
@@ -5607,7 +5683,7 @@
                     <a:p>
                       <a:r>
                         <a:rPr lang="en-US" altLang="zh-TW" dirty="0"/>
-                        <a:t>22.93s (8x) lint-only</a:t>
+                        <a:t>22.93 sec (8x) lint-only</a:t>
                       </a:r>
                     </a:p>
                     <a:p>
